--- a/05_es6_node/NodeJS_demo/02_nodejs/MoreBackendFeaturesAndTech.pptx
+++ b/05_es6_node/NodeJS_demo/02_nodejs/MoreBackendFeaturesAndTech.pptx
@@ -1680,7 +1680,7 @@
           <a:p>
             <a:fld id="{5645C365-1C26-6946-87AF-75D6A7DF4277}" type="datetimeFigureOut">
               <a:rPr lang="en-GB" smtClean="0"/>
-              <a:t>23/04/2024</a:t>
+              <a:t>23/10/2024</a:t>
             </a:fld>
             <a:endParaRPr lang="en-GB"/>
           </a:p>
@@ -2179,7 +2179,7 @@
           <a:p>
             <a:fld id="{35B864B8-8D08-7B43-B4FB-B2FB41A5D9E3}" type="datetime1">
               <a:rPr lang="fi-FI" smtClean="0"/>
-              <a:t>23.4.2024</a:t>
+              <a:t>23.10.2024</a:t>
             </a:fld>
             <a:endParaRPr lang="en-GB" dirty="0"/>
           </a:p>
@@ -2506,7 +2506,7 @@
           <a:p>
             <a:fld id="{D5AEA85A-FC56-D34C-9AA6-ECC3D2586F37}" type="datetime1">
               <a:rPr lang="fi-FI" smtClean="0"/>
-              <a:t>23.4.2024</a:t>
+              <a:t>23.10.2024</a:t>
             </a:fld>
             <a:endParaRPr lang="en-GB" dirty="0"/>
           </a:p>
@@ -2716,7 +2716,7 @@
           <a:p>
             <a:fld id="{E6BC6EEF-E660-7844-8930-418AFF95EA40}" type="datetime1">
               <a:rPr lang="fi-FI" smtClean="0"/>
-              <a:t>23.4.2024</a:t>
+              <a:t>23.10.2024</a:t>
             </a:fld>
             <a:endParaRPr lang="en-GB" dirty="0"/>
           </a:p>
@@ -3025,7 +3025,7 @@
           <a:p>
             <a:fld id="{4E10C7EC-C1C1-9849-A573-7692478FCD52}" type="datetime1">
               <a:rPr lang="fi-FI" smtClean="0"/>
-              <a:t>23.4.2024</a:t>
+              <a:t>23.10.2024</a:t>
             </a:fld>
             <a:endParaRPr lang="en-GB" dirty="0"/>
           </a:p>
@@ -3298,7 +3298,7 @@
           <a:p>
             <a:fld id="{844FF3FE-30BE-2040-9151-6FBC4992BF4F}" type="datetime1">
               <a:rPr lang="fi-FI" smtClean="0"/>
-              <a:t>23.4.2024</a:t>
+              <a:t>23.10.2024</a:t>
             </a:fld>
             <a:endParaRPr lang="en-GB" dirty="0"/>
           </a:p>
@@ -3538,7 +3538,7 @@
           <a:p>
             <a:fld id="{11EDCD7B-6966-E249-89F2-D46BDFBF56BE}" type="datetime1">
               <a:rPr lang="fi-FI" smtClean="0"/>
-              <a:t>23.4.2024</a:t>
+              <a:t>23.10.2024</a:t>
             </a:fld>
             <a:endParaRPr lang="en-GB" dirty="0"/>
           </a:p>
@@ -3831,7 +3831,7 @@
           <a:p>
             <a:fld id="{11EDCD7B-6966-E249-89F2-D46BDFBF56BE}" type="datetime1">
               <a:rPr lang="fi-FI" smtClean="0"/>
-              <a:t>23.4.2024</a:t>
+              <a:t>23.10.2024</a:t>
             </a:fld>
             <a:endParaRPr lang="en-GB" dirty="0"/>
           </a:p>
@@ -4270,7 +4270,7 @@
           <a:p>
             <a:fld id="{844FF3FE-30BE-2040-9151-6FBC4992BF4F}" type="datetime1">
               <a:rPr lang="fi-FI" smtClean="0"/>
-              <a:t>23.4.2024</a:t>
+              <a:t>23.10.2024</a:t>
             </a:fld>
             <a:endParaRPr lang="en-GB" dirty="0"/>
           </a:p>
@@ -4498,7 +4498,7 @@
           <a:p>
             <a:fld id="{11EDCD7B-6966-E249-89F2-D46BDFBF56BE}" type="datetime1">
               <a:rPr lang="fi-FI" smtClean="0"/>
-              <a:t>23.4.2024</a:t>
+              <a:t>23.10.2024</a:t>
             </a:fld>
             <a:endParaRPr lang="en-GB" dirty="0"/>
           </a:p>
@@ -4913,7 +4913,7 @@
           <a:p>
             <a:fld id="{B62E192A-D52B-F541-B2AA-4AEB9388F1F7}" type="datetime1">
               <a:rPr lang="fi-FI" smtClean="0"/>
-              <a:t>23.4.2024</a:t>
+              <a:t>23.10.2024</a:t>
             </a:fld>
             <a:endParaRPr lang="en-GB" dirty="0"/>
           </a:p>
@@ -5213,7 +5213,7 @@
           <a:p>
             <a:fld id="{EEA4FAA2-2B3E-264C-A42F-2D6D3EF33A3C}" type="datetime1">
               <a:rPr lang="fi-FI" smtClean="0"/>
-              <a:t>23.4.2024</a:t>
+              <a:t>23.10.2024</a:t>
             </a:fld>
             <a:endParaRPr lang="en-GB" dirty="0"/>
           </a:p>
@@ -6116,7 +6116,7 @@
           <a:p>
             <a:fld id="{B3114A65-8017-1743-A85A-B2A4BB835AE9}" type="datetime1">
               <a:rPr lang="fi-FI" smtClean="0"/>
-              <a:t>23.4.2024</a:t>
+              <a:t>23.10.2024</a:t>
             </a:fld>
             <a:endParaRPr lang="en-GB" dirty="0"/>
           </a:p>
@@ -6344,7 +6344,7 @@
           <a:p>
             <a:fld id="{11EDCD7B-6966-E249-89F2-D46BDFBF56BE}" type="datetime1">
               <a:rPr lang="fi-FI" smtClean="0"/>
-              <a:t>23.4.2024</a:t>
+              <a:t>23.10.2024</a:t>
             </a:fld>
             <a:endParaRPr lang="en-GB" dirty="0"/>
           </a:p>
@@ -6636,7 +6636,7 @@
           <a:p>
             <a:fld id="{45F98643-D206-614D-B596-3C8548138211}" type="datetime1">
               <a:rPr lang="fi-FI" smtClean="0"/>
-              <a:t>23.4.2024</a:t>
+              <a:t>23.10.2024</a:t>
             </a:fld>
             <a:endParaRPr lang="en-GB" dirty="0"/>
           </a:p>
@@ -7224,7 +7224,7 @@
             </a:r>
             <a:r>
               <a:rPr lang="en-GB" sz="5400" dirty="0"/>
-              <a:t>What else added to BE?</a:t>
+              <a:t>What else to add to BE?</a:t>
             </a:r>
             <a:endParaRPr lang="en-GB" dirty="0"/>
           </a:p>
@@ -7291,7 +7291,7 @@
           <a:p>
             <a:fld id="{30BF63A1-919F-FB49-ABA8-182126D24C50}" type="datetime1">
               <a:rPr lang="fi-FI" smtClean="0"/>
-              <a:t>23.4.2024</a:t>
+              <a:t>23.10.2024</a:t>
             </a:fld>
             <a:endParaRPr lang="en-GB" dirty="0"/>
           </a:p>
@@ -7410,7 +7410,15 @@
             </a:r>
             <a:r>
               <a:rPr lang="fi-FI" dirty="0"/>
-              <a:t> Express </a:t>
+              <a:t> </a:t>
+            </a:r>
+            <a:r>
+              <a:rPr lang="fi-FI" i="1" dirty="0"/>
+              <a:t>Express</a:t>
+            </a:r>
+            <a:r>
+              <a:rPr lang="fi-FI" dirty="0"/>
+              <a:t> </a:t>
             </a:r>
             <a:r>
               <a:rPr lang="fi-FI" dirty="0" err="1"/>
@@ -7470,7 +7478,27 @@
             </a:r>
             <a:r>
               <a:rPr lang="fi-FI" dirty="0"/>
-              <a:t>. (A bit </a:t>
+              <a:t>. (E.g. </a:t>
+            </a:r>
+            <a:r>
+              <a:rPr lang="fi-FI" dirty="0" err="1"/>
+              <a:t>with</a:t>
+            </a:r>
+            <a:r>
+              <a:rPr lang="fi-FI" dirty="0"/>
+              <a:t> </a:t>
+            </a:r>
+            <a:r>
+              <a:rPr lang="fi-FI" i="1" dirty="0"/>
+              <a:t>express-</a:t>
+            </a:r>
+            <a:r>
+              <a:rPr lang="fi-FI" i="1" dirty="0" err="1"/>
+              <a:t>validator</a:t>
+            </a:r>
+            <a:r>
+              <a:rPr lang="fi-FI" dirty="0"/>
+              <a:t>, a bit </a:t>
             </a:r>
             <a:r>
               <a:rPr lang="fi-FI" dirty="0" err="1"/>
@@ -7494,7 +7522,15 @@
             </a:r>
             <a:r>
               <a:rPr lang="fi-FI" dirty="0"/>
-              <a:t> Joi </a:t>
+              <a:t> </a:t>
+            </a:r>
+            <a:r>
+              <a:rPr lang="fi-FI" i="1" dirty="0"/>
+              <a:t>Joi</a:t>
+            </a:r>
+            <a:r>
+              <a:rPr lang="fi-FI" dirty="0"/>
+              <a:t> </a:t>
             </a:r>
             <a:r>
               <a:rPr lang="fi-FI" dirty="0" err="1"/>
@@ -7552,10 +7588,14 @@
             </a:r>
             <a:r>
               <a:rPr lang="fi-FI" dirty="0"/>
-              <a:t> e.g. express-</a:t>
-            </a:r>
-            <a:r>
-              <a:rPr lang="fi-FI" dirty="0" err="1"/>
+              <a:t> e.g. </a:t>
+            </a:r>
+            <a:r>
+              <a:rPr lang="fi-FI" i="1" dirty="0"/>
+              <a:t>express-</a:t>
+            </a:r>
+            <a:r>
+              <a:rPr lang="fi-FI" i="1" dirty="0" err="1"/>
               <a:t>validator</a:t>
             </a:r>
             <a:r>
@@ -7690,12 +7730,24 @@
               <a:t> </a:t>
             </a:r>
             <a:r>
-              <a:rPr lang="fi-FI" dirty="0" err="1"/>
-              <a:t>Oauth</a:t>
-            </a:r>
-            <a:r>
-              <a:rPr lang="fi-FI" dirty="0"/>
-              <a:t>/JWT </a:t>
+              <a:rPr lang="fi-FI" i="1" dirty="0" err="1"/>
+              <a:t>OAuth</a:t>
+            </a:r>
+            <a:r>
+              <a:rPr lang="fi-FI" i="1" dirty="0"/>
+              <a:t> </a:t>
+            </a:r>
+            <a:r>
+              <a:rPr lang="fi-FI" dirty="0"/>
+              <a:t>/ </a:t>
+            </a:r>
+            <a:r>
+              <a:rPr lang="fi-FI" i="1" dirty="0"/>
+              <a:t>JWT</a:t>
+            </a:r>
+            <a:r>
+              <a:rPr lang="fi-FI" dirty="0"/>
+              <a:t> </a:t>
             </a:r>
             <a:r>
               <a:rPr lang="fi-FI" dirty="0" err="1"/>
@@ -7944,7 +7996,7 @@
             </a:r>
             <a:r>
               <a:rPr lang="fi-FI" dirty="0" err="1"/>
-              <a:t>things</a:t>
+              <a:t>circumstances</a:t>
             </a:r>
             <a:r>
               <a:rPr lang="fi-FI" dirty="0"/>
@@ -8126,15 +8178,11 @@
             </a:r>
             <a:r>
               <a:rPr lang="fi-FI" dirty="0"/>
-              <a:t>. Robot </a:t>
-            </a:r>
-            <a:r>
-              <a:rPr lang="fi-FI" dirty="0" err="1"/>
-              <a:t>framework</a:t>
-            </a:r>
-            <a:r>
-              <a:rPr lang="fi-FI" dirty="0"/>
-              <a:t> </a:t>
+              <a:t>. </a:t>
+            </a:r>
+            <a:r>
+              <a:rPr lang="fi-FI" i="1" dirty="0"/>
+              <a:t>Robot Framework </a:t>
             </a:r>
             <a:r>
               <a:rPr lang="fi-FI" dirty="0" err="1"/>
@@ -8199,15 +8247,15 @@
               <a:t> </a:t>
             </a:r>
             <a:r>
-              <a:rPr lang="fi-FI" dirty="0" err="1"/>
+              <a:rPr lang="fi-FI" i="1" dirty="0" err="1"/>
               <a:t>type</a:t>
             </a:r>
             <a:r>
-              <a:rPr lang="fi-FI" dirty="0"/>
+              <a:rPr lang="fi-FI" i="1" dirty="0"/>
               <a:t> </a:t>
             </a:r>
             <a:r>
-              <a:rPr lang="fi-FI" dirty="0" err="1"/>
+              <a:rPr lang="fi-FI" i="1" dirty="0" err="1"/>
               <a:t>checks</a:t>
             </a:r>
             <a:r>
@@ -8218,6 +8266,18 @@
               <a:rPr lang="fi-FI" dirty="0" err="1"/>
               <a:t>provides</a:t>
             </a:r>
+            <a:r>
+              <a:rPr lang="fi-FI" dirty="0"/>
+              <a:t>, plus e.g.</a:t>
+            </a:r>
+            <a:r>
+              <a:rPr lang="fi-FI" b="1" dirty="0"/>
+              <a:t> </a:t>
+            </a:r>
+            <a:r>
+              <a:rPr lang="fi-FI" i="1" dirty="0" err="1"/>
+              <a:t>biome</a:t>
+            </a:r>
             <a:endParaRPr lang="fi-FI" dirty="0"/>
           </a:p>
           <a:p>
@@ -8257,7 +8317,19 @@
               <a:rPr lang="fi-FI" b="1" dirty="0" err="1"/>
               <a:t>formatter</a:t>
             </a:r>
-            <a:endParaRPr lang="fi-FI" b="1" dirty="0"/>
+            <a:r>
+              <a:rPr lang="fi-FI" dirty="0"/>
+              <a:t>, e.g.</a:t>
+            </a:r>
+            <a:r>
+              <a:rPr lang="fi-FI" b="1" dirty="0"/>
+              <a:t> </a:t>
+            </a:r>
+            <a:r>
+              <a:rPr lang="fi-FI" i="1" dirty="0" err="1"/>
+              <a:t>biome</a:t>
+            </a:r>
+            <a:endParaRPr lang="fi-FI" i="1" dirty="0"/>
           </a:p>
           <a:p>
             <a:r>
@@ -8309,7 +8381,7 @@
               <a:t> </a:t>
             </a:r>
             <a:r>
-              <a:rPr lang="fi-FI" dirty="0" err="1"/>
+              <a:rPr lang="fi-FI" i="1" dirty="0" err="1"/>
               <a:t>Hapi</a:t>
             </a:r>
             <a:r>
@@ -8354,7 +8426,7 @@
           <a:p>
             <a:fld id="{202E1EC2-47B8-044B-A09E-6A63B4D80C87}" type="datetime1">
               <a:rPr lang="fi-FI" smtClean="0"/>
-              <a:t>23.4.2024</a:t>
+              <a:t>23.10.2024</a:t>
             </a:fld>
             <a:endParaRPr lang="en-GB"/>
           </a:p>
@@ -8984,12 +9056,12 @@
 </file>
 
 <file path=customXml/item1.xml><?xml version="1.0" encoding="utf-8"?>
-<p:properties xmlns:p="http://schemas.microsoft.com/office/2006/metadata/properties" xmlns:xsi="http://www.w3.org/2001/XMLSchema-instance" xmlns:pc="http://schemas.microsoft.com/office/infopath/2007/PartnerControls">
-  <documentManagement>
-    <PublishingExpirationDate xmlns="http://schemas.microsoft.com/sharepoint/v3" xsi:nil="true"/>
-    <PublishingStartDate xmlns="http://schemas.microsoft.com/sharepoint/v3" xsi:nil="true"/>
-  </documentManagement>
-</p:properties>
+<?mso-contentType ?>
+<FormTemplates xmlns="http://schemas.microsoft.com/sharepoint/v3/contenttype/forms">
+  <Display>DocumentLibraryForm</Display>
+  <Edit>DocumentLibraryForm</Edit>
+  <New>DocumentLibraryForm</New>
+</FormTemplates>
 </file>
 
 <file path=customXml/item2.xml><?xml version="1.0" encoding="utf-8"?>
@@ -9125,26 +9197,18 @@
 </file>
 
 <file path=customXml/item3.xml><?xml version="1.0" encoding="utf-8"?>
-<?mso-contentType ?>
-<FormTemplates xmlns="http://schemas.microsoft.com/sharepoint/v3/contenttype/forms">
-  <Display>DocumentLibraryForm</Display>
-  <Edit>DocumentLibraryForm</Edit>
-  <New>DocumentLibraryForm</New>
-</FormTemplates>
+<p:properties xmlns:p="http://schemas.microsoft.com/office/2006/metadata/properties" xmlns:xsi="http://www.w3.org/2001/XMLSchema-instance" xmlns:pc="http://schemas.microsoft.com/office/infopath/2007/PartnerControls">
+  <documentManagement>
+    <PublishingExpirationDate xmlns="http://schemas.microsoft.com/sharepoint/v3" xsi:nil="true"/>
+    <PublishingStartDate xmlns="http://schemas.microsoft.com/sharepoint/v3" xsi:nil="true"/>
+  </documentManagement>
+</p:properties>
 </file>
 
 <file path=customXml/itemProps1.xml><?xml version="1.0" encoding="utf-8"?>
-<ds:datastoreItem xmlns:ds="http://schemas.openxmlformats.org/officeDocument/2006/customXml" ds:itemID="{DED4E12E-7268-4B03-A47B-0755D62B5E31}">
+<ds:datastoreItem xmlns:ds="http://schemas.openxmlformats.org/officeDocument/2006/customXml" ds:itemID="{D546C03B-CD3A-4EA0-AAA4-0E00E896454E}">
   <ds:schemaRefs>
-    <ds:schemaRef ds:uri="http://purl.org/dc/dcmitype/"/>
-    <ds:schemaRef ds:uri="http://schemas.microsoft.com/office/infopath/2007/PartnerControls"/>
-    <ds:schemaRef ds:uri="http://schemas.openxmlformats.org/package/2006/metadata/core-properties"/>
-    <ds:schemaRef ds:uri="http://schemas.microsoft.com/office/2006/documentManagement/types"/>
-    <ds:schemaRef ds:uri="http://purl.org/dc/terms/"/>
-    <ds:schemaRef ds:uri="http://www.w3.org/XML/1998/namespace"/>
-    <ds:schemaRef ds:uri="http://schemas.microsoft.com/sharepoint/v3"/>
-    <ds:schemaRef ds:uri="http://purl.org/dc/elements/1.1/"/>
-    <ds:schemaRef ds:uri="http://schemas.microsoft.com/office/2006/metadata/properties"/>
+    <ds:schemaRef ds:uri="http://schemas.microsoft.com/sharepoint/v3/contenttype/forms"/>
   </ds:schemaRefs>
 </ds:datastoreItem>
 </file>
@@ -9168,9 +9232,17 @@
 </file>
 
 <file path=customXml/itemProps3.xml><?xml version="1.0" encoding="utf-8"?>
-<ds:datastoreItem xmlns:ds="http://schemas.openxmlformats.org/officeDocument/2006/customXml" ds:itemID="{D546C03B-CD3A-4EA0-AAA4-0E00E896454E}">
+<ds:datastoreItem xmlns:ds="http://schemas.openxmlformats.org/officeDocument/2006/customXml" ds:itemID="{DED4E12E-7268-4B03-A47B-0755D62B5E31}">
   <ds:schemaRefs>
-    <ds:schemaRef ds:uri="http://schemas.microsoft.com/sharepoint/v3/contenttype/forms"/>
+    <ds:schemaRef ds:uri="http://purl.org/dc/dcmitype/"/>
+    <ds:schemaRef ds:uri="http://schemas.microsoft.com/office/infopath/2007/PartnerControls"/>
+    <ds:schemaRef ds:uri="http://schemas.openxmlformats.org/package/2006/metadata/core-properties"/>
+    <ds:schemaRef ds:uri="http://schemas.microsoft.com/office/2006/documentManagement/types"/>
+    <ds:schemaRef ds:uri="http://purl.org/dc/terms/"/>
+    <ds:schemaRef ds:uri="http://www.w3.org/XML/1998/namespace"/>
+    <ds:schemaRef ds:uri="http://schemas.microsoft.com/sharepoint/v3"/>
+    <ds:schemaRef ds:uri="http://purl.org/dc/elements/1.1/"/>
+    <ds:schemaRef ds:uri="http://schemas.microsoft.com/office/2006/metadata/properties"/>
   </ds:schemaRefs>
 </ds:datastoreItem>
 </file>